--- a/Presentation/지하철_무임승차_현황분석_v04.pptx
+++ b/Presentation/지하철_무임승차_현황분석_v04.pptx
@@ -1676,8 +1676,8 @@
     <dgm:cxn modelId="{D7245D51-B631-48CD-9F44-A7B4980EB8F8}" srcId="{877AC949-F131-4921-8CF4-B93A246D6EF1}" destId="{F33FC35C-929A-4A1A-AAD4-F06657AFA872}" srcOrd="1" destOrd="0" parTransId="{5A997F99-07B7-4DFB-98C1-50B1898E1133}" sibTransId="{836B7B0B-2E37-42AB-AFE4-6ED4CE2BA2E8}"/>
     <dgm:cxn modelId="{D01AF59B-53B6-4537-8B7D-3C6A6C296004}" type="presOf" srcId="{0F58A6F1-2A75-46E4-B454-B341342FA5FB}" destId="{86A961B4-81A6-4386-9A79-8FC1FF3B4763}" srcOrd="0" destOrd="0" presId="urn:microsoft.com/office/officeart/2005/8/layout/vList5"/>
     <dgm:cxn modelId="{C08982D6-6CCF-4310-9CEA-E6C76F1AA32C}" type="presOf" srcId="{877AC949-F131-4921-8CF4-B93A246D6EF1}" destId="{D59B156A-B76E-465B-AC78-6FFB87E3D610}" srcOrd="0" destOrd="0" presId="urn:microsoft.com/office/officeart/2005/8/layout/vList5"/>
+    <dgm:cxn modelId="{28C591CF-06E7-49F1-8B99-6F3983A30AAC}" type="presOf" srcId="{0F832752-6AC3-40D9-BC0E-B2B205FF2058}" destId="{52CE7F3C-B24D-43C6-A33A-C1F200B79BDA}" srcOrd="0" destOrd="0" presId="urn:microsoft.com/office/officeart/2005/8/layout/vList5"/>
     <dgm:cxn modelId="{1B3BAC40-3198-45B2-BDCB-3D3DCE3A5235}" srcId="{31049312-047E-45D7-B692-5D8F2F782C2D}" destId="{877AC949-F131-4921-8CF4-B93A246D6EF1}" srcOrd="0" destOrd="0" parTransId="{3A366351-8D55-4438-A562-CD28407D0B25}" sibTransId="{5DA30983-1117-4830-B60F-806549CE0B8D}"/>
-    <dgm:cxn modelId="{28C591CF-06E7-49F1-8B99-6F3983A30AAC}" type="presOf" srcId="{0F832752-6AC3-40D9-BC0E-B2B205FF2058}" destId="{52CE7F3C-B24D-43C6-A33A-C1F200B79BDA}" srcOrd="0" destOrd="0" presId="urn:microsoft.com/office/officeart/2005/8/layout/vList5"/>
     <dgm:cxn modelId="{248A9AEB-9618-4390-B7BC-5FE821C4FE82}" type="presParOf" srcId="{6AF1F34B-3789-4E8A-BEA8-9F61609F3056}" destId="{F794D62A-2C33-4A66-A79A-364AF375C5C5}" srcOrd="0" destOrd="0" presId="urn:microsoft.com/office/officeart/2005/8/layout/vList5"/>
     <dgm:cxn modelId="{7F1C72AB-8150-460D-AEF9-A34F2FB316CB}" type="presParOf" srcId="{F794D62A-2C33-4A66-A79A-364AF375C5C5}" destId="{D59B156A-B76E-465B-AC78-6FFB87E3D610}" srcOrd="0" destOrd="0" presId="urn:microsoft.com/office/officeart/2005/8/layout/vList5"/>
     <dgm:cxn modelId="{F16979DC-C8FF-4122-B31A-F34D0FB4D408}" type="presParOf" srcId="{F794D62A-2C33-4A66-A79A-364AF375C5C5}" destId="{889090AD-663B-4ED0-A45A-A9C709CE8D63}" srcOrd="1" destOrd="0" presId="urn:microsoft.com/office/officeart/2005/8/layout/vList5"/>
@@ -3948,7 +3948,7 @@
                 <a:uFillTx/>
               </a:rPr>
               <a:pPr/>
-              <a:t>2020-07-08</a:t>
+              <a:t>2020-07-09</a:t>
             </a:fld>
             <a:endParaRPr lang="ko-KR" altLang="en-US">
               <a:uFillTx/>
@@ -9165,7 +9165,7 @@
               <a:rPr lang="ko-KR" altLang="en-US" smtClean="0">
                 <a:uFillTx/>
               </a:rPr>
-              <a:t>2020-07-08</a:t>
+              <a:t>2020-07-09</a:t>
             </a:fld>
             <a:endParaRPr lang="ko-KR" altLang="en-US">
               <a:uFillTx/>
@@ -9351,7 +9351,7 @@
               <a:rPr lang="ko-KR" altLang="en-US" smtClean="0">
                 <a:uFillTx/>
               </a:rPr>
-              <a:t>2020-07-08</a:t>
+              <a:t>2020-07-09</a:t>
             </a:fld>
             <a:endParaRPr lang="ko-KR" altLang="en-US">
               <a:uFillTx/>
@@ -9547,7 +9547,7 @@
               <a:rPr lang="ko-KR" altLang="en-US" smtClean="0">
                 <a:uFillTx/>
               </a:rPr>
-              <a:t>2020-07-08</a:t>
+              <a:t>2020-07-09</a:t>
             </a:fld>
             <a:endParaRPr lang="ko-KR" altLang="en-US">
               <a:uFillTx/>
@@ -9733,7 +9733,7 @@
               <a:rPr lang="ko-KR" altLang="en-US" smtClean="0">
                 <a:uFillTx/>
               </a:rPr>
-              <a:t>2020-07-08</a:t>
+              <a:t>2020-07-09</a:t>
             </a:fld>
             <a:endParaRPr lang="ko-KR" altLang="en-US">
               <a:uFillTx/>
@@ -9999,7 +9999,7 @@
               <a:rPr lang="ko-KR" altLang="en-US" smtClean="0">
                 <a:uFillTx/>
               </a:rPr>
-              <a:t>2020-07-08</a:t>
+              <a:t>2020-07-09</a:t>
             </a:fld>
             <a:endParaRPr lang="ko-KR" altLang="en-US">
               <a:uFillTx/>
@@ -10348,7 +10348,7 @@
               <a:rPr lang="ko-KR" altLang="en-US" smtClean="0">
                 <a:uFillTx/>
               </a:rPr>
-              <a:t>2020-07-08</a:t>
+              <a:t>2020-07-09</a:t>
             </a:fld>
             <a:endParaRPr lang="ko-KR" altLang="en-US">
               <a:uFillTx/>
@@ -10873,7 +10873,7 @@
               <a:rPr lang="ko-KR" altLang="en-US" smtClean="0">
                 <a:uFillTx/>
               </a:rPr>
-              <a:t>2020-07-08</a:t>
+              <a:t>2020-07-09</a:t>
             </a:fld>
             <a:endParaRPr lang="ko-KR" altLang="en-US">
               <a:uFillTx/>
@@ -10998,7 +10998,7 @@
               <a:rPr lang="ko-KR" altLang="en-US" smtClean="0">
                 <a:uFillTx/>
               </a:rPr>
-              <a:t>2020-07-08</a:t>
+              <a:t>2020-07-09</a:t>
             </a:fld>
             <a:endParaRPr lang="ko-KR" altLang="en-US">
               <a:uFillTx/>
@@ -11099,7 +11099,7 @@
               <a:rPr lang="ko-KR" altLang="en-US" smtClean="0">
                 <a:uFillTx/>
               </a:rPr>
-              <a:t>2020-07-08</a:t>
+              <a:t>2020-07-09</a:t>
             </a:fld>
             <a:endParaRPr lang="ko-KR" altLang="en-US">
               <a:uFillTx/>
@@ -11443,7 +11443,7 @@
               <a:rPr lang="ko-KR" altLang="en-US" smtClean="0">
                 <a:uFillTx/>
               </a:rPr>
-              <a:t>2020-07-08</a:t>
+              <a:t>2020-07-09</a:t>
             </a:fld>
             <a:endParaRPr lang="ko-KR" altLang="en-US">
               <a:uFillTx/>
@@ -11745,7 +11745,7 @@
               <a:rPr lang="ko-KR" altLang="en-US" smtClean="0">
                 <a:uFillTx/>
               </a:rPr>
-              <a:t>2020-07-08</a:t>
+              <a:t>2020-07-09</a:t>
             </a:fld>
             <a:endParaRPr lang="ko-KR" altLang="en-US">
               <a:uFillTx/>
@@ -11978,7 +11978,7 @@
               <a:rPr lang="ko-KR" altLang="en-US" smtClean="0">
                 <a:uFillTx/>
               </a:rPr>
-              <a:t>2020-07-08</a:t>
+              <a:t>2020-07-09</a:t>
             </a:fld>
             <a:endParaRPr lang="ko-KR" altLang="en-US">
               <a:uFillTx/>
@@ -15015,7 +15015,7 @@
           <a:lstStyle/>
           <a:p>
             <a:pPr algn="ctr"/>
-            <a:endParaRPr lang="ko-KR" altLang="en-US">
+            <a:endParaRPr lang="ko-KR" altLang="en-US" dirty="0">
               <a:uFillTx/>
             </a:endParaRPr>
           </a:p>
@@ -15120,9 +15120,119 @@
           </a:p>
         </p:txBody>
       </p:sp>
+      <p:sp>
+        <p:nvSpPr>
+          <p:cNvPr id="11" name="직사각형 10"/>
+          <p:cNvSpPr>
+            <a:spLocks/>
+          </p:cNvSpPr>
+          <p:nvPr/>
+        </p:nvSpPr>
+        <p:spPr>
+          <a:xfrm>
+            <a:off x="329719" y="271681"/>
+            <a:ext cx="1076641" cy="276999"/>
+          </a:xfrm>
+          <a:prstGeom prst="rect">
+            <a:avLst/>
+          </a:prstGeom>
+        </p:spPr>
+        <p:txBody>
+          <a:bodyPr wrap="none">
+            <a:spAutoFit/>
+          </a:bodyPr>
+          <a:lstStyle/>
+          <a:p>
+            <a:pPr algn="ctr"/>
+            <a:r>
+              <a:rPr lang="en-US" altLang="ko-KR" sz="1200" b="1" spc="-150" dirty="0">
+                <a:solidFill>
+                  <a:schemeClr val="bg1"/>
+                </a:solidFill>
+                <a:uFillTx/>
+              </a:rPr>
+              <a:t>EDA  </a:t>
+            </a:r>
+            <a:r>
+              <a:rPr lang="ko-KR" altLang="en-US" sz="1200" b="1" spc="-150" dirty="0">
+                <a:solidFill>
+                  <a:schemeClr val="bg1"/>
+                </a:solidFill>
+                <a:uFillTx/>
+              </a:rPr>
+              <a:t>및 시각화</a:t>
+            </a:r>
+          </a:p>
+        </p:txBody>
+      </p:sp>
+      <p:sp>
+        <p:nvSpPr>
+          <p:cNvPr id="13" name="TextBox 12"/>
+          <p:cNvSpPr txBox="1">
+            <a:spLocks/>
+          </p:cNvSpPr>
+          <p:nvPr/>
+        </p:nvSpPr>
+        <p:spPr>
+          <a:xfrm>
+            <a:off x="5364088" y="271681"/>
+            <a:ext cx="3600400" cy="276999"/>
+          </a:xfrm>
+          <a:prstGeom prst="rect">
+            <a:avLst/>
+          </a:prstGeom>
+          <a:noFill/>
+        </p:spPr>
+        <p:txBody>
+          <a:bodyPr wrap="square" rtlCol="0">
+            <a:spAutoFit/>
+          </a:bodyPr>
+          <a:lstStyle/>
+          <a:p>
+            <a:pPr algn="dist"/>
+            <a:r>
+              <a:rPr lang="ko-KR" altLang="en-US" sz="1200" dirty="0">
+                <a:solidFill>
+                  <a:schemeClr val="bg1"/>
+                </a:solidFill>
+                <a:uFillTx/>
+              </a:rPr>
+              <a:t>빅데이터 분석결과 시각화</a:t>
+            </a:r>
+          </a:p>
+        </p:txBody>
+      </p:sp>
+      <p:sp>
+        <p:nvSpPr>
+          <p:cNvPr id="7" name="슬라이드 번호 개체 틀 6"/>
+          <p:cNvSpPr>
+            <a:spLocks noGrp="1"/>
+          </p:cNvSpPr>
+          <p:nvPr>
+            <p:ph type="sldNum" sz="quarter" idx="12"/>
+          </p:nvPr>
+        </p:nvSpPr>
+        <p:spPr/>
+        <p:txBody>
+          <a:bodyPr/>
+          <a:lstStyle/>
+          <a:p>
+            <a:fld id="{777CD0F7-B239-41DD-B89C-138EEA1D13E4}" type="slidenum">
+              <a:rPr lang="ko-KR" altLang="en-US" smtClean="0">
+                <a:uFillTx/>
+              </a:rPr>
+              <a:pPr/>
+              <a:t>16</a:t>
+            </a:fld>
+            <a:endParaRPr lang="ko-KR" altLang="en-US">
+              <a:uFillTx/>
+            </a:endParaRPr>
+          </a:p>
+        </p:txBody>
+      </p:sp>
       <p:pic>
         <p:nvPicPr>
-          <p:cNvPr id="5" name="그림 4"/>
+          <p:cNvPr id="8" name="그림 7"/>
           <p:cNvPicPr>
             <a:picLocks noChangeAspect="1"/>
           </p:cNvPicPr>
@@ -15136,8 +15246,8 @@
         </p:blipFill>
         <p:spPr>
           <a:xfrm>
-            <a:off x="352990" y="1151797"/>
-            <a:ext cx="8410874" cy="5013507"/>
+            <a:off x="393459" y="1261163"/>
+            <a:ext cx="8357081" cy="5017709"/>
           </a:xfrm>
           <a:prstGeom prst="rect">
             <a:avLst/>
@@ -15146,7 +15256,7 @@
       </p:pic>
       <p:sp>
         <p:nvSpPr>
-          <p:cNvPr id="11" name="직사각형 10"/>
+          <p:cNvPr id="14" name="직사각형 13"/>
           <p:cNvSpPr>
             <a:spLocks/>
           </p:cNvSpPr>
@@ -15154,8 +15264,8 @@
         </p:nvSpPr>
         <p:spPr>
           <a:xfrm>
-            <a:off x="329719" y="271681"/>
-            <a:ext cx="1076641" cy="276999"/>
+            <a:off x="393459" y="948160"/>
+            <a:ext cx="2175596" cy="276999"/>
           </a:xfrm>
           <a:prstGeom prst="rect">
             <a:avLst/>
@@ -15169,86 +15279,18 @@
           <a:p>
             <a:pPr algn="ctr"/>
             <a:r>
-              <a:rPr lang="en-US" altLang="ko-KR" sz="1200" b="1" spc="-150" dirty="0">
-                <a:solidFill>
-                  <a:schemeClr val="bg1"/>
-                </a:solidFill>
-                <a:uFillTx/>
-              </a:rPr>
-              <a:t>EDA  </a:t>
-            </a:r>
-            <a:r>
-              <a:rPr lang="ko-KR" altLang="en-US" sz="1200" b="1" spc="-150" dirty="0">
-                <a:solidFill>
-                  <a:schemeClr val="bg1"/>
-                </a:solidFill>
-                <a:uFillTx/>
-              </a:rPr>
-              <a:t>및 시각화</a:t>
-            </a:r>
-          </a:p>
-        </p:txBody>
-      </p:sp>
-      <p:sp>
-        <p:nvSpPr>
-          <p:cNvPr id="13" name="TextBox 12"/>
-          <p:cNvSpPr txBox="1">
-            <a:spLocks/>
-          </p:cNvSpPr>
-          <p:nvPr/>
-        </p:nvSpPr>
-        <p:spPr>
-          <a:xfrm>
-            <a:off x="5364088" y="271681"/>
-            <a:ext cx="3600400" cy="276999"/>
-          </a:xfrm>
-          <a:prstGeom prst="rect">
-            <a:avLst/>
-          </a:prstGeom>
-          <a:noFill/>
-        </p:spPr>
-        <p:txBody>
-          <a:bodyPr wrap="square" rtlCol="0">
-            <a:spAutoFit/>
-          </a:bodyPr>
-          <a:lstStyle/>
-          <a:p>
-            <a:pPr algn="dist"/>
-            <a:r>
-              <a:rPr lang="ko-KR" altLang="en-US" sz="1200" dirty="0">
-                <a:solidFill>
-                  <a:schemeClr val="bg1"/>
-                </a:solidFill>
-                <a:uFillTx/>
-              </a:rPr>
-              <a:t>빅데이터 분석결과 시각화</a:t>
-            </a:r>
-          </a:p>
-        </p:txBody>
-      </p:sp>
-      <p:sp>
-        <p:nvSpPr>
-          <p:cNvPr id="7" name="슬라이드 번호 개체 틀 6"/>
-          <p:cNvSpPr>
-            <a:spLocks noGrp="1"/>
-          </p:cNvSpPr>
-          <p:nvPr>
-            <p:ph type="sldNum" sz="quarter" idx="12"/>
-          </p:nvPr>
-        </p:nvSpPr>
-        <p:spPr/>
-        <p:txBody>
-          <a:bodyPr/>
-          <a:lstStyle/>
-          <a:p>
-            <a:fld id="{777CD0F7-B239-41DD-B89C-138EEA1D13E4}" type="slidenum">
-              <a:rPr lang="ko-KR" altLang="en-US" smtClean="0">
-                <a:uFillTx/>
-              </a:rPr>
-              <a:pPr/>
-              <a:t>16</a:t>
-            </a:fld>
-            <a:endParaRPr lang="ko-KR" altLang="en-US">
+              <a:rPr lang="ko-KR" altLang="en-US" sz="1200" b="1" spc="-150" dirty="0" smtClean="0"/>
+              <a:t>전체 </a:t>
+            </a:r>
+            <a:r>
+              <a:rPr lang="ko-KR" altLang="en-US" sz="1200" b="1" spc="-150" dirty="0" err="1" smtClean="0"/>
+              <a:t>승차인원</a:t>
+            </a:r>
+            <a:r>
+              <a:rPr lang="ko-KR" altLang="en-US" sz="1200" b="1" spc="-150" dirty="0" smtClean="0"/>
+              <a:t> 대비 무임승차인원</a:t>
+            </a:r>
+            <a:endParaRPr lang="ko-KR" altLang="en-US" sz="1200" b="1" spc="-150" dirty="0">
               <a:uFillTx/>
             </a:endParaRPr>
           </a:p>
